--- a/PPT/13.i2c.pptx
+++ b/PPT/13.i2c.pptx
@@ -125,7 +125,7 @@
   </p:defaultTextStyle>
   <p:extLst>
     <p:ext uri="{EFAFB233-063F-42B5-8137-9DF3F51BA10A}">
-      <p15:sldGuideLst xmlns="" xmlns:p15="http://schemas.microsoft.com/office/powerpoint/2012/main">
+      <p15:sldGuideLst xmlns:p15="http://schemas.microsoft.com/office/powerpoint/2012/main" xmlns="">
         <p15:guide id="1" orient="horz" pos="2160">
           <p15:clr>
             <a:srgbClr val="A4A3A4"/>
@@ -173,8 +173,8 @@
   <inkml:trace contextRef="#ctx0" brushRef="#br0" timeOffset="17960.5471">3275 2480 0,'0'25'219,"0"50"-219,0 24 15,24-25 1,-24-49 0,0 50-1,0-1 1,0-24-1,0-26 1,25 100 0,25-24-1,-50-1 17,25-74-17,-25-1 16,0 1 48,0 0-48,0 0-16,24 0 1,1-25 0,-25 24 31,0 1-16,25-25-16,-25 25 1,0 0 0,25-25 31,-25 25-32,0-1 16,25-24 16,-1 0 78,-24-24-125,25 24 32,-25-25-17,25 25 1,-25-25-1,25 0 1,0 0 0,-25 1 15,24 24-15,-24-25-1,0 0 1,25 25-1,-25-25 1,25 25 0,0-25-1,0 25 17,-25-24-17</inkml:trace>
   <inkml:trace contextRef="#ctx0" brushRef="#br0" timeOffset="20169.0748">3175 3076 0,'25'0'250,"0"0"-250,-25-25 16,50 25 0,-26-25-1,26 25-15,-25-25 16,0 25 0,-1 0 15,-24-24-31,25 24 47,-25-25-32,50 25 1,-50-25 0,25 25-1</inkml:trace>
   <inkml:trace contextRef="#ctx0" brushRef="#br0" timeOffset="23701.1518">3795 3200 0,'0'-25'235,"25"25"-235,0-25 15,0 25 1,0 0 0,-1 0-1,-24-25 32,25 25-31,-25-24-16,25 24 15,-25-25 1,25 0 0,0-25-1,-25 26 16,0-1 16,0 0 16,0 0-32,0 0 32,-25 25 15,0 0-31,0 0-1,0 0-14,1 0-17,-1 0 32,0 0 0,25 25 62,0 0-93,-25-25 0,0 0-1,25 25-15,0 0 32,0 24-17,0-24 1,0 25 15,0-26-15,0 1 15,0 0 0,0 0 32,0 0-1,25-25-62,0 0 31,-25 24-15,0 1 15,25-25-31,0 25 47,-1-25-31,1 0 31,0 0-16,0 0 0,0 0-15,0 0-1,-1 0 17,1 0-1,0 0 0,0 0 0,0 0 16,-25-25-31,24 25 0,-24-25-1,25 25 1</inkml:trace>
-  <inkml:trace contextRef="#ctx0" brushRef="#br0" timeOffset="185948.3824">2555 5283 0,'0'50'235,"25"74"-220,-25 0 1,0 25-16,0-25 15,0 149 1,0-199 0,0-24-1,0-25 1,0-1-16,0 1 31,0 25 0,0-1-31,0 26 16,0-1 0,0 50-1,0-74 1,0 24 0,0-49 15,0 0 94,0 25-110,0 49-15,0-25 16,0 1 0,0-26-16,0 1 15,0-1 1,0-24 15,0 0 32</inkml:trace>
-  <inkml:trace contextRef="#ctx0" brushRef="#br0" timeOffset="189171.8917">2555 5358 0,'99'-25'203,"174"-49"-188,199-75 1,768-25 0,-174 75-1,-545 99 1,422-75-1,-298 75 1,-323-24 0,373 24-1,-398 0 1,200 0 0,-26 0-1,-173 0 16,123 0-15,-49 0 0,-248 0-1,149 0 1,-74 0 0,-150 0-1,75 0 1,-74 0-1,-1 0-15,1 0 16,24 0-16,1 0 16,-1 0-1,100 24 1,-50 26 0,-74-25 15,24-25-16,-24 0 1,-1 25 0,1-25-1,49 0 1,-25 0 0,75 0-1,-74 0 1,24 25-16,25-25 15,-74 0-15,24 0 16,0 0 0,100 24-1,49 1 1,-124-25 0,50 25 15,-50-25-16,-49 0 1,99 0 0,-75 0-1,-24 0-15,0 0 16,-26 0 15,100 0-15,0 0-1,-49 0 1,74 0 0,-1 0-1,-98 0 1,74 0 0,-25 0-1,-49 0 1,124-25-1,-100 25 1,50-25 0,99 1-1,-99 24 1,199-50 15,-1 50-15,-148-25-1,99 0 1,-100 25 0,-98-25-1,-1 25 1,-24 0 0,-25 0-1,-1 0 1,1-24-1,25 24 17,-25 0-32,-1 0 31,1 0-31</inkml:trace>
+  <inkml:trace contextRef="#ctx0" brushRef="#br0" timeOffset="185948.3823">2555 5283 0,'0'50'235,"25"74"-220,-25 0 1,0 25-16,0-25 15,0 149 1,0-199 0,0-24-1,0-25 1,0-1-16,0 1 31,0 25 0,0-1-31,0 26 16,0-1 0,0 50-1,0-74 1,0 24 0,0-49 15,0 0 94,0 25-110,0 49-15,0-25 16,0 1 0,0-26-16,0 1 15,0-1 1,0-24 15,0 0 32</inkml:trace>
+  <inkml:trace contextRef="#ctx0" brushRef="#br0" timeOffset="189171.8916">2555 5358 0,'99'-25'203,"174"-49"-188,199-75 1,768-25 0,-174 75-1,-545 99 1,422-75-1,-298 75 1,-323-24 0,373 24-1,-398 0 1,200 0 0,-26 0-1,-173 0 16,123 0-15,-49 0 0,-248 0-1,149 0 1,-74 0 0,-150 0-1,75 0 1,-74 0-1,-1 0-15,1 0 16,24 0-16,1 0 16,-1 0-1,100 24 1,-50 26 0,-74-25 15,24-25-16,-24 0 1,-1 25 0,1-25-1,49 0 1,-25 0 0,75 0-1,-74 0 1,24 25-16,25-25 15,-74 0-15,24 0 16,0 0 0,100 24-1,49 1 1,-124-25 0,50 25 15,-50-25-16,-49 0 1,99 0 0,-75 0-1,-24 0-15,0 0 16,-26 0 15,100 0-15,0 0-1,-49 0 1,74 0 0,-1 0-1,-98 0 1,74 0 0,-25 0-1,-49 0 1,124-25-1,-100 25 1,50-25 0,99 1-1,-99 24 1,199-50 15,-1 50-15,-148-25-1,99 0 1,-100 25 0,-98-25-1,-1 25 1,-24 0 0,-25 0-1,-1 0 1,1-24-1,25 24 17,-25 0-32,-1 0 31,1 0-31</inkml:trace>
   <inkml:trace contextRef="#ctx0" brushRef="#br0" timeOffset="194742.5966">2654 7367 0,'174'0'219,"-25"0"-219,99 0 15,-25 0 1,0 0 0,150-50-1,-225 50 1,51 0 0,-100 0-1,-25-24-15,1 24 16,-26 0-16,-24 0 31,25 0-15,-25 0-1,-1 0 1,26-25 0,24 25-1,-24 0 1,-25 0 15,0 0-15,-25-25 15,0 0 31,0 0-46,-25-24-16,25-50 16,-75-125-1,-24-173 1,50 75 0,24 223-1,0-50 1,25 50 15,0 24-15,-25-49-1,25 75 1,0-100 0,0 25-1,0 99 1,-49-74-1,49 24 1,-25 75 0,25-49-1,0 24 1,0 0 0,-50 25-1,50-25 16</inkml:trace>
   <inkml:trace contextRef="#ctx0" brushRef="#br0" timeOffset="209022.2859">6053 5804 0,'-50'0'172,"-24"0"-156,-1 0-1,1 25-15,49-25 16,-25 25 0,-49 0-1,25 24 1,24-49 0,25 25-1,25 0 1,0 0 15,0 0 0,0-1-15,0 26 15,0-25-15,0 0-1,25-25 17,0 0-32,49 24 15,1-24 1,49 0 0,-50 0-1,-24 0 1,-1 0-1,-24 0 17,0 0-17,-25 25 17,0 25-17,0-25 1,-50 74-1,-24 0 1,-124 50 0,-26-50-1,100-49 1</inkml:trace>
   <inkml:trace contextRef="#ctx0" brushRef="#br0" timeOffset="210867.3823">6152 5531 0,'0'25'187,"0"50"-187,25-26 16,-25 1 0,25-25-16,-25 24 15,0-24 1,0 25-1,24 24 1,-24-24 0,25 24 15,-25 25-15,0-24-1,0-1 1,0-24-1,0-25 1,0 24 0,0-24-1</inkml:trace>
@@ -189,7 +189,7 @@
   <inkml:trace contextRef="#ctx0" brushRef="#br0" timeOffset="252642.0758">10195 5730 0,'0'25'297,"0"49"-297,0-24 16,25 24-1,0 174 1,-25-124 0,0-99-1,0 25 1,0-1-1,0 1 1,0 24 0,0-49 15,0 0 0</inkml:trace>
   <inkml:trace contextRef="#ctx0" brushRef="#br0" timeOffset="255189.3699">9997 5779 0,'24'0'235,"1"-24"-220,0 24-15,49-25 16,-49 25 0,25-25-1,49 25 1,-49 0-1,24 0 1,-49 0 0,0 0-1,24 0 1,-24 0 0,0 0-1,25 0 16,-26 25-15,26 0 0,-25-1 15,-25 1-15,25-25-1,-1 25 1,-24 0-1,0 0 1,0 0 0,0 24-1,0 100 1,0-75 0,-49 26-1,49-51 1,-25 1-1,0-25 1,25-1 15,-25-24-31,25 25 32,-49 0-17,24 25 1,-49-26-1,49 1 1,-50 0 0,26 0-1,24-25-15,-25 25 32,25-25-17,1 0 1,-1 0-1,0 0 1,0 0 0,0 0-1,1 0 1,-26 0 0,25 0-1,0 0 1,1 0 15,-1 0 16</inkml:trace>
   <inkml:trace contextRef="#ctx0" brushRef="#br0" timeOffset="258804.7549">11113 6276 0,'-50'0'188,"1"0"-173,-1 0 1,-24 49 0,24-24-1,0 0 1,1 0-1,49-1 1,-25 1 0,25 0 15,0 0-31,0 24 16,0-24-1,0 0-15,0 0 16,0 0-16,0-1 15,25-24 79,0 0-78,-1 0-1,1 0 1,0 0 0,0 0-1,0 0 17,-1-24-17,26-51 1,0 1-1,-1-1 1,-49 26 0,25 24-1,-25 0 32,0 50 125,0 49-156,0-24-1,0 24 1,0 1 0,0-50-1,0 24 1,25-49 15,0 0-15,49 0-1,-24 0-15,-26-25 16,51-24 15,-50 24-15,-25 0-1,25 25 1,-25-49 0,24-26-1,1-123 1,-25 99 0,0-25-1,0 74 1,0 25-1,0 0 1,0 1 47,0-1-32,0 0-16,0 0 17,0 0-17,-25 25 17,25-25-17,0 50 63,0 25-62,0 0 0,0 24-16,0-49 15,0 0 1,0 24-1,0-24 1,0 0 0,0 24-1,0 1 1,0 49 0,50 25-1,-25-25 1,0-99-1,-25 25 1,24-25 0,1 0 31,0 0-16,0 0-16,0 0 1,-1 0 0,1 0-1,-25-25 1,25 1 0,0 24 15,-25-25 16</inkml:trace>
-  <inkml:trace contextRef="#ctx0" brushRef="#br0" timeOffset="268621.5507">11187 5978 0,'25'0'203,"25"0"-203,-1 0 15,26 0 1,-1 0 0,25 25-1,-24-25 1,-50 0 0,24 0-1,1 0 1,-1 0-1,-24 0 17,0 0-1,0 0-15</inkml:trace>
+  <inkml:trace contextRef="#ctx0" brushRef="#br0" timeOffset="268621.5506">11187 5978 0,'25'0'203,"25"0"-203,-1 0 15,26 0 1,-1 0 0,25 25-1,-24-25 1,-50 0 0,24 0-1,1 0 1,-1 0-1,-24 0 17,0 0-1,0 0-15</inkml:trace>
   <inkml:trace contextRef="#ctx0" brushRef="#br0" timeOffset="271976.8857">12080 6102 0,'-25'0'188,"1"25"-172,-1-25-1,25 25 1,-25-1-1,0-24 1,-24 25 0,49 25-1,-25-25-15,25 24 16,-25-24 0,25 25 15,-25-26-16,25 1-15,0 0 32,0 0-1,0 0 16,25-1-32,-25 1 17,25-25-17,-25 25-15,25-25 32,-1 0 14,1 0-30,0 0 0,0-25-1,0 25 1,-1 0 0,1 0-1,-25-25 1,50-24 15,-50 24-31,25 0 16,-1-24-1,-24-1-15,0 0 16,0 26-16,0-1 16,0 0-1,0-25 1,0 26-1,0-1 1,0 0 31,0 0-16,0 0 32,0 50 109,0 25-157,0-25 1,-24 148-1,24-98 1,0 24 0,0-74 15,0-1-15,0 1-1,0 0 48,24-25-32,1 0-15,0 0 15,0 0-16,0 0 1,-1 0 31,1 0 0</inkml:trace>
   <inkml:trace contextRef="#ctx0" brushRef="#br0" timeOffset="275866.6195">9600 7169 0,'49'0'203,"75"0"-203,75 0 16,-1 24-1,1 1 1,49 0-16,-50 0 15,-24 24-15,-75-24 16,0-25 0,75 50-1,0-25 1,-75-1 0,74-24-1,1 0 1,-100 0 15,100 0-15,-25 0-1,-75 0 1,26 25 0,-76 0-1,51-25 1,-50 0-1,-1 0 17,1 0-1,0 0 16,-25-25 93,25 25-124,0-49-16,-1-1 16,1-74-1,0 25 17,-25 49-17,0-24 1,0-50-1,0 74 1,0-99 0,0 100-1,0-26 1,0-49 0,0 25-1,-50-174 1,26 100-1,-1 98 1,25-74 0,-25 25-1,-25 75 1,50-26 15,-24 75-15,24-25-16,0 1 15,-25-1-15,0 0 16,25-25 0,-50 1-1,1-50 1,24 49 0,25 0-1,-25 26 1,25-1 93,0 0-62,-25 25-47,25-25 47,0 0-16,0 1-15,0-1 31,-25 25 0</inkml:trace>
   <inkml:trace contextRef="#ctx0" brushRef="#br0" timeOffset="279878.4218">13395 5779 0,'-25'25'188,"0"99"-188,-49-24 15,74-51 1,-25 75-16,-25-25 15,1 1 17,49-51-17,0-24 17,0 25-32,0-1 15,0 1 1,0-1-1,0-24 1,0-50 125,0-24-126,0-50 1,0-25 0,25-75-1,24 26 1,26-249-1,-26 223 1,-49 100 0,0 74-1,0 1 1,0-1 15,25 25 157,0 25-188,-25-1 15,25 26 1,-1 0-16,1-1 16,0 26-1,0-1 1,25-24 15,-1 74-15,-49-75-1,25-24-15,-25 25 0,0-25 0,0-1 16,0 26 0,0 0-1,0-26 1,0 1-1,0 25 1,0-25 0,0-1 15,0 1 31,0 0-30,0 0-1,25 0-31,-25-1 16,25 1-1,-25 0 1,0 0 15,0 0 47,0-50 328,0-25-390,0 1-16,0-51 16,-25 26-1,0-25 1,0 0-16,25 74 16,-25 0-1,25 0 1,-24 25 140,-1 0-125,0 0 1,0 25-17,0-25 1,0 0 31,1 0 0,-1 0-32,0 0 16</inkml:trace>
@@ -200,7 +200,7 @@
   <inkml:trace contextRef="#ctx0" brushRef="#br0" timeOffset="309352.5927">16421 6300 0,'25'0'203,"24"0"-187,26 0-1,24 0-15,-49 0 31,24 0-15,-49 0 0,-25 25 62,0 0-63,0 25 1,0 24-16,0-49 16,0 24-1,0 1-15,0-25 16,0 0 0,0-1-1,-25 1 79,0-25-63,1 0-15,-26 0-1,25 0 17,0 0-17,0 0 1,1 0 0,-1 0-1,-25 0 1,25 0-1,1 0 1,-1-25-16,0 1 31,0 24 1,25-25-17,0 0 1,0 0-1,0 0 1,0 1 0,0-1 15,0 0-15,0 0-1,0-24 1,0 24-1,0-25 1,0 25 0,0-24-1,0 24 1,0 0 0,0 0 15</inkml:trace>
   <inkml:trace contextRef="#ctx0" brushRef="#br0" timeOffset="312005.2283">17066 6251 0,'0'49'203,"0"51"-203,25 73 15,-25-74 1,25 25-16,-25-24 16,24-51-1,-24 51 16,0-26-15,0 75 0,0 74-1,0-149 1,0 50 0,0-99-1,25-124 376,0 25-376,-25 24 1,0 0 0,0-74-1,0 50 1,0-75 0,0-49-1,0 123 1,0-98-1,0 123 1,0 25 31,0 0 31,-25-24-47,0-1-31,25 25 16,-24 1 0,24-1-1,-25 25 79,0 0-78,25-25 77,-25 25-77</inkml:trace>
   <inkml:trace contextRef="#ctx0" brushRef="#br0" timeOffset="315027.2336">17140 6276 0,'25'0'219,"25"0"-172,-25 0-31,-1 0-1,1 0 1,0 0-16,0 0 16,0 24-1,-1-24 1,-24 25 15,0 0 16,0 0 0,0 0 47,0-1-32,0 1-46,0 0 15,0 0 16,-24-25-16,24 25 0,-25-25-31,0 0 32,25 24-17,-25 1 16</inkml:trace>
-  <inkml:trace contextRef="#ctx0" brushRef="#br0" timeOffset="318843.8425">14586 7392 0,'99'0'203,"74"0"-188,-24 25 1,25-25-16,-25 0 16,-1 0-1,-3943 0 1,7938 0 15,-4069 0-15,-24 0-1,74 0 1,0 0 0,-75 0-1,1 0 1,74 0 0,-74 0-1,74-25 1,0 0-1,-75 25 1,75 0 0,-49 0-1,-50-25-15,74 25 16,-50 0 0,26-25-1,-26 25 1,75 0-1,-49-24 1,-26 24 0,100-25-1,-49 25 1,-76 0 0,1 0-1,25 0 1,-25 0 15,-1 0-15,1 0-1,0 0 1,0 0 0,49 0-1,-24 0 1,-1 0-1,-24 0 1,25 0 0,-25 0 15,-1 0 0,-24-25 47,25-25-62,-25-74-16,25-74 16,0-75-1,-25-124 1,0 298-1,0-75 1,0-24 0,0 123-1,0-98 1,0 98 0,0 51-1,0-1 1,0 0-1,0 0 32,0 0-31,0 1 0,0-1-1,0 0 1,-25 25-1,25-50 1,0 26 15,-25 24-15,25-25-16,0 0 31,-49 0-31,49 0 16,-25-24-1,0 24 17,0 0-17,0 0 1,1 1 31,24-1 31,0 0-78,0 0 31,0 0 0,0 0-15,0 1 47</inkml:trace>
+  <inkml:trace contextRef="#ctx0" brushRef="#br0" timeOffset="318843.8424">14586 7392 0,'99'0'203,"74"0"-188,-24 25 1,25-25-16,-25 0 16,-1 0-1,-3943 0 1,7938 0 15,-4069 0-15,-24 0-1,74 0 1,0 0 0,-75 0-1,1 0 1,74 0 0,-74 0-1,74-25 1,0 0-1,-75 25 1,75 0 0,-49 0-1,-50-25-15,74 25 16,-50 0 0,26-25-1,-26 25 1,75 0-1,-49-24 1,-26 24 0,100-25-1,-49 25 1,-76 0 0,1 0-1,25 0 1,-25 0 15,-1 0-15,1 0-1,0 0 1,0 0 0,49 0-1,-24 0 1,-1 0-1,-24 0 1,25 0 0,-25 0 15,-1 0 0,-24-25 47,25-25-62,-25-74-16,25-74 16,0-75-1,-25-124 1,0 298-1,0-75 1,0-24 0,0 123-1,0-98 1,0 98 0,0 51-1,0-1 1,0 0-1,0 0 32,0 0-31,0 1 0,0-1-1,0 0 1,-25 25-1,25-50 1,0 26 15,-25 24-15,25-25-16,0 0 31,-49 0-31,49 0 16,-25-24-1,0 24 17,0 0-17,0 0 1,1 1 31,24-1 31,0 0-78,0 0 31,0 0 0,0 0-15,0 1 47</inkml:trace>
   <inkml:trace contextRef="#ctx0" brushRef="#br0" timeOffset="325822.1626">2034 9525 0,'0'99'156,"0"-24"-156,0 24 16,25-25-1,-25-24 1,0 49 0,0-74-1,0 25 1,0-1 0,0 26-1,0-51 1,0 1-1,0 0 95,0 0-95,0 0 17,0-1-17,0 1 1,0 25 0,0 24-16,0-49 15,0 0 16,0-100 313,0-98-328,-25-199-16,-24 99 15,24 74 1,-25-49 0,50 174-1,0 49 1,25 25 281,0 0-282,25 0-15,-26 0 32,51 0-17,-50 0 1,-1 25 0,26 0-1,-25-25 1,-25 49-1,25 1 1,-1-25 0,-24 74-1,0-74 1,0 49 0,0-49-1,0 0 1,0 0-1,0-1 1,-24 1 15,-1 0-15,0 0 0,25 0-1,-25-25 1,0 24 15,1 1-15,-1-25 15,0 25 31,25 0 188,0 24-234,25 1 0,0-25-1,-1 0 1,1 24 0,25 1-1,-25 0 1,24 24-1,-24-49 1,0 0 0,-25-1-1,25-24 1,-1 25 31,-24 0 15,0 0 63,25 0-109,0-1-16,0 1 31,-25 0-15,0 0 31,25-25 0,-1 0-16,1 0 0,0-25-31,0 25 16,-25-25 15,25 25-15,-25-25 15,24-24-31,1 24 15,0-25 1,-25 26 0,0-1 15,25 25-15,-25-25 15</inkml:trace>
   <inkml:trace contextRef="#ctx0" brushRef="#br0" timeOffset="329104.1766">2902 9922 0,'25'0'203,"0"0"-187,25 0-1,-25 0-15,-25-25 32,24 25-1,-24-25-15,25 25-1,-25-25-15,0 1 31,0-1-15,0 0 0,0 0 15,0 0-15,-25 25 15,25-24-16,-24-1 1,-26 25 31,25 0-16,0 0 0,0 0-15,1 25-16,-26-1 31,-24 100-15,49-74 0,0-25-1,25 24 1,-25 1-1,25-25 1,0 74 0,0-74-1,0 49 1,25-49 0,-25 0-1,25 0 1,0 0-1,-1-25 1,51 0 0,74-50 15,-75 0-15,25-24-1,-49 74 1,-50-25-16,25 25 15,0-25 1,-25 1 15,24 24 376,26-25-407,-25-25 15,0 25 1,-1-24-1,26-26 1,0 26 0,-50 24-1,0 0 220,0 0-188,0 0-47</inkml:trace>
   <inkml:trace contextRef="#ctx0" brushRef="#br0" timeOffset="334268.3185">3523 9723 0,'-25'0'203,"-25"25"-187,25-25-1,25 25 1,-24 0-16,-51 74 16,50 0 15,1-49-15,-26 49-1,50-74 1,0 49-1,0-49 1,0 0 15,0 0-15,25 0 0,0-1-1,-1-24 1,1 0-1,25 0 1,-25 0 0,-1 0-16,1 0 31,-25-49 0,0-1-15,25-24-1,0-25 1,-25-26 0,0 76-1,0 24 1,0 0 0,25 50 218,-25 0-234,0 0 16,0-1-1,0 1-15,24 0 31,1 0 1,-25 0-32,25 0 31,0-25-15,-25 24-1,25-24 1,-1 0-1,1 0 1,0 0 0,0 0-1,0 0 17,-1 0 343,-24-24-360,50-1 1,-25 0-1,49-25 1,-74 25 0,25 25-1,-25-24 1,0-1 0,0 0 62,0 0 78,0 0-140,0 1-1,0-1 1,0 0 249,0 0-186,0 0-48,0 1 0,0-1 32,-25 74 124,0 1-171,1-25-16,-26 49 15,50 1 1,-25-26 0,0 26-1,25-26 1,0-24-1,0 0 64,0 0-17,0 0-46,25-25 31,0 0-32,0 0 1,0 0-1,74-75 1,-25 1 0,-49 49-1,-25 0 17,25 0-17,-25 0 1,0 1-1,0-26 1,0 0 0,0-24-1,0 49 1,0-24 0,0-1-1,0 0 1,0 26-1,0-26 1,-25 25 0,0-24-1,25 24 1,-24 0 0,24 0 15,-25 0-16,25 1 32,-25-1 16,25 0-1,0 50 188,0 0-234,0-1 0,0 1-1,0 25 1,0-25-1,0-1 1,0 26 0,0-25-1,0 0 1,0-1 0,0 51-1,0-50 1,0 24-1,50 26 1,-50-51 0,24 1-1,-24 0 1,0 25 0,25-26 15,0-24-16,-25 50 1,25-25 0,-25 0-1,25 0 1,-25-1 0,24-24-1,1 25 1,-25 0-1,25-25-15,-25 25 16,25-25-16,0 0 31,-1 0 1,1 0 14,0 0 1,0 0-31,0 0 78</inkml:trace>
@@ -209,17 +209,17 @@
   <inkml:trace contextRef="#ctx0" brushRef="#br0" timeOffset="362193.1766">5358 12254 0,'0'74'219,"0"-24"-203,0 49-1,0-50-15,0 1 16,0 0-1,0 24 1,0-24 15,0 49-15,0 25 0,0-99-1,0 49 1,0-49-1,0 49 1,-25-49 0,25 0-1,0 0 17,0 0 30,0-1-46,-24 1 15,24 0-15</inkml:trace>
   <inkml:trace contextRef="#ctx0" brushRef="#br0" timeOffset="365755.5606">5805 12799 0,'-50'0'188,"0"0"-173,26 0 1,-26 25-16,-24 0 15,24-25 1,50 25 15,-25-1 1,25 51-17,-25-1 1,-24 75-1,49-124 1,0 25 0,0-26-1,0 1 1,0 0 31,0 0-32,0 0-15,0-1 47,25 1 0,-1-25 0,1 0-16,0 0-31,25-49 32,-26 24-32,26-50 15,0-24 1,-26 49-1,1-24 1,-25 49 15,25 0-15,0-24 0,-25 24-1,0 0 1,0 0-1,0 1 1,0-1 0,0 0 15,0 0 31,25 25-46,-25 25 156,0 0-156,0 24-1,0 26 1,0 74-1,24-100 1,-24-24 0,0 0-1,0 0 1,25-25 15,-25 25-15,25-1 15,-25 1 0,25-25-15,-25 25 0,25-25-1,-25 25 16,24-25 1,-24 25-1,25-25 0,-25 24 0,0 1 1</inkml:trace>
   <inkml:trace contextRef="#ctx0" brushRef="#br0" timeOffset="369225.1033">5978 12799 0,'25'50'203,"0"49"-203,0-49 16,-1-1-1,-24-24 1,25 25 0,-25-26-1,25-24 1,-25 25 0,25 0-1,0 99 1,0-99-1,-25 0 1,0 0-16,24-25 47,-24-25 125,0 0-141,0 0-15,0-24-16,25-51 15,-25 26 1,25-1 0,0 26-1,-25-1 1,0 25 15,0 1 47,0-1-78,0 0 47,25 25-31,-25-25 15</inkml:trace>
-  <inkml:trace contextRef="#ctx0" brushRef="#br0" timeOffset="372281.8579">6524 13122 0,'25'0'219,"49"0"-204,1 0-15,-51 0 16,26 0 0,-25 0 15,-25-25-31,25 25 62,-25-25-46,24 0 0,1 0-1,-25 1 1,25-1 0,-25 0 15,0 0 16,0 0-32,-25 1 17,25-1-17,-25 25 1,1-25-1,-1 25 17,0 0 30,0 0-15,0 0-31,1 0-16,-1 0 15,0 0 1,0 0 0,0 0 15,25 25-16,-24 0 1,24-1 31,0 26-31,0 0-1,0 98 1,0-98-1,0 25 1,0-51 0,0 1-1,24 0 17,-24 0-17,25-25 16,0 0-31,-25 25 16,25-25 0,0 0 15,-1 0-15,1 0-1,0 0 1,0 0-1,24 0 1,-24 0 0,25 0-1,-25 0 17</inkml:trace>
+  <inkml:trace contextRef="#ctx0" brushRef="#br0" timeOffset="372281.8578">6524 13122 0,'25'0'219,"49"0"-204,1 0-15,-51 0 16,26 0 0,-25 0 15,-25-25-31,25 25 62,-25-25-46,24 0 0,1 0-1,-25 1 1,25-1 0,-25 0 15,0 0 16,0 0-32,-25 1 17,25-1-17,-25 25 1,1-25-1,-1 25 17,0 0 30,0 0-15,0 0-31,1 0-16,-1 0 15,0 0 1,0 0 0,0 0 15,25 25-16,-24 0 1,24-1 31,0 26-31,0 0-1,0 98 1,0-98-1,0 25 1,0-51 0,0 1-1,24 0 17,-24 0-17,25-25 16,0 0-31,-25 25 16,25-25 0,0 0 15,-1 0-15,1 0-1,0 0 1,0 0-1,24 0 1,-24 0 0,25 0-1,-25 0 17</inkml:trace>
   <inkml:trace contextRef="#ctx0" brushRef="#br0" timeOffset="378617.3444">7591 12799 0,'0'25'218,"24"25"-202,1-26-16,-25 26 16,0 0-1,25 49 1,0-74-1,-25-1-15,0 1 16,0 0 15,0 0-31,0 0 32,25 74-17,-25-74 1,0 24-1,0-24 1,0 0 0,0-50 109,0 0-63,24 25-62,-24-24 16,25-1-1,-25 0 1,25-25 0,-25 26 15,0-1-15,0 0 15,25 0-31,-25 0 31,0 0-31,25 1 16,-1-26-1,-24 25 17,0 0-17,0 1 1,0-1 46,25 25-46,-25-25-16,25 0 31,-25 0-31,0 1 63,25 24 62,0 24-110,-1 26 1,26-25 0,0 74-1,-26-74 1,26 24-1,-25-24 1,-25 0 0,25-25 46,-25 25-62,0 0 63,25 0-48,-1-25 1,-24 24 0,0 1 15,0 0 31,25-50 110,-25 0-172,0 1 16,0-1-1,0 0-15,0 0 16,0 0 0,0 0 15,0 1-15,0-1-1,0 0 48,0 0-32,0 0-15,0 1-1,0-1 16,0 0-15,0 0 0,0 0 46,0 1 1,0-1-32,0 0 0,0 0 79,25 25-17,-25-25 32</inkml:trace>
   <inkml:trace contextRef="#ctx0" brushRef="#br0" timeOffset="384284.7109">9649 12849 0,'0'25'219,"0"49"-203,0-24-16,0 24 15,0-24 1,0-1-16,0 26 16,0-26-1,0-24-15,0 0 16,0 0 0,0 0 30,0 24-30,0 26 0,0-51-1,0 1 1,0-50 156,0 1-141,0-1-31,-24 0 16,-1-74-1,0-100 1,25 125 0,-25-50-1,0 99 1,25-49-1,0 49 1,0 0 15,0 0 1,0 0 30,0 1-31,25-1 1,0 0-1,0 25-16,0 0 1,-1 0 0,1 0-1,0 0 1,25 0 0,-26 0 15,1 25 0,0 0-15,0-25-1,-25 49 1,25-49 0,-25 25-1,24-25 1,-24 25-1,0 0 48,0-1-32,0 1 0,-24-25-15,24 25 0,-25-25-1,0 25 17,25 0-1,-25-25-16,25 24 1,-25-24-16,1 0 78,24 25-15,-25-25-16,25 25 218,0 0-249,0 0-1,25-25 1,-25 24 0,24 1-1,26 0 1,-25 0 0,0 25-1,-1-26 1,1 1 15,0 0 0,-25 0 79,25-25-17,0 25-61,-1-25-17,-24 24 1,25 1 78,0-25 15</inkml:trace>
   <inkml:trace contextRef="#ctx0" brushRef="#br0" timeOffset="387286.8159">10394 12824 0,'-50'-25'203,"25"25"-203,0 0 16,0-25-1,1 25 1,-1 0 0,0 0 15,0 0 16,0 0-32,25 25 1,-24 0 0,-1-25-1,25 25 1,0 0 78,0-1-79,0 1 1,0 0-16,0 0 31,0 0 0,25-25 48,-1 0-64,1 0 1,0 0 15,0 0 16,0 0-16,-1 0-15,1 0-16,-25 24 15,25-24 1,0 0 0,0 25-1,-25 0 1,49 0 0,-49 0-1,25-25 1,-25 24-1,25 1 1,-25 0 0,25 0-1,-25 0 17,0 0-17,0-1 1,0 1-1,0 0 1,0 0 0,0 0-1,0-1 1,0 1 0,-25 0-1,0-25 1,25 25-1,-25 0 17,1-25-17,-1 0-15,25 24 16,-50 1 0,-24-25-1,49 0 1,-25 0-1,25 0 1,1 0 0,-1 0 15,0 0-15</inkml:trace>
   <inkml:trace contextRef="#ctx0" brushRef="#br0" timeOffset="390892.0131">13668 5085 0,'25'0'187,"-25"-25"-171,49-24-16,-24-1 15,74 0 1,75-148 0,-100 123-1,1-24 1,-1 50-1,-49 49 1,-25-25 15,25 0-15,-1 0 0,1 25-1,-25-49 16,25 49-15,0-25 15,0 25 1,-25-25-17,24 25 16,-24-25-31</inkml:trace>
-  <inkml:trace contextRef="#ctx0" brushRef="#br0" timeOffset="397015.6608">15156 3597 0,'-25'0'188,"0"24"-173,25 1 1,-24 0-1,-1 0 1,0 49 0,0 26-1,25-51 1,0-24 15,25-25 47,25 0-78,-26 0 16,1 0 0,0 0-1,74 0 1,0 50-1,-49-50 1,24 0 0,-24 0-1,-25 0 1,0 0 15,-25 49 16,0 1-47,0-1 16,-25 125-1,-25-75 1,-49-24 15,49-26-15,50-24-1,-49-25 1,24 0 0,25-50 390,50-24-390,49-100-1,-25 50 1,25-24-1,1-26 1,-75 149 0,-25 0-1,0 1 32,0-1-16,0-25-15,0 25 15,0-24-31,0-1 16,-25-99 15,-25 100-15,25-51-1,-24 51 1,49 24 62,-25 25-78,25-25 31,-25 25-15,25 25 312,0 0-312,0 74-1,0-49-15,25-26 16,0 76 0,-1-76-1,-24 1 1,25 50 0,0-26 15,0-24-31,0 50 31,24-1-15,1 0-1,-25-49 17,0 0 14,-1-25-14,1 0-17,0 0 32,0 25-16,0-25-15,-25 25 0,24-25 15,1 0 16,0-25-32,25 0 1,24-124 0,-24 100-1,-50 24-15,24 0 16,-24-25-16,0 25 31,0 1-31,0-1 31,0 0-15,0 0 0,0 0-1,0 1 17,-24 48 77,-1 26-78,-25 24-31,25 1 0,-49 74 16,74-100 15,-25 1-15,25-25-1,25-25 63,0 0-31,0 0-31,-1 0 0,-24-25-1,25 0 1,0-124-1,-25-24 1,0 123 0,0 0-1,0 26 1,0-1 0,0 0-1,25 50 95,0 0-95,-25-1 1,24 1-1,-24 0 1,50 0 0,-25 24-1,0-24-15,-1-25 16,-24 25 0,25-25-16,0 0 31,-25 25-16,25-25 1,-25-25 62,25 0-78,-25 0 16,0-49-16,0 49 31,0-24-15,0 24-1,0 0 1,0 0 0,24 25 187,-24 25-172,25-25-31,-25 25 16,25-25-1,25 0 1,-50 25-1,24-25 1,1 0 15,-25 24 16,25-24 0,0 0-31,-25 25-1,25-25 1,-25 25 0,25-25 30,-1 0 17,-24 25-63,25-25 16,-25-50 171,0 1-171,0-26-1,-25 26-15,1-1 16,24 0 0,-25 26-1,0-1 1,25 0-1,0 0 17,0 0 46,0 1-16</inkml:trace>
+  <inkml:trace contextRef="#ctx0" brushRef="#br0" timeOffset="397015.6607">15156 3597 0,'-25'0'188,"0"24"-173,25 1 1,-24 0-1,-1 0 1,0 49 0,0 26-1,25-51 1,0-24 15,25-25 47,25 0-78,-26 0 16,1 0 0,0 0-1,74 0 1,0 50-1,-49-50 1,24 0 0,-24 0-1,-25 0 1,0 0 15,-25 49 16,0 1-47,0-1 16,-25 125-1,-25-75 1,-49-24 15,49-26-15,50-24-1,-49-25 1,24 0 0,25-50 390,50-24-390,49-100-1,-25 50 1,25-24-1,1-26 1,-75 149 0,-25 0-1,0 1 32,0-1-16,0-25-15,0 25 15,0-24-31,0-1 16,-25-99 15,-25 100-15,25-51-1,-24 51 1,49 24 62,-25 25-78,25-25 31,-25 25-15,25 25 312,0 0-312,0 74-1,0-49-15,25-26 16,0 76 0,-1-76-1,-24 1 1,25 50 0,0-26 15,0-24-31,0 50 31,24-1-15,1 0-1,-25-49 17,0 0 14,-1-25-14,1 0-17,0 0 32,0 25-16,0-25-15,-25 25 0,24-25 15,1 0 16,0-25-32,25 0 1,24-124 0,-24 100-1,-50 24-15,24 0 16,-24-25-16,0 25 31,0 1-31,0-1 31,0 0-15,0 0 0,0 0-1,0 1 17,-24 48 77,-1 26-78,-25 24-31,25 1 0,-49 74 16,74-100 15,-25 1-15,25-25-1,25-25 63,0 0-31,0 0-31,-1 0 0,-24-25-1,25 0 1,0-124-1,-25-24 1,0 123 0,0 0-1,0 26 1,0-1 0,0 0-1,25 50 95,0 0-95,-25-1 1,24 1-1,-24 0 1,50 0 0,-25 24-1,0-24-15,-1-25 16,-24 25 0,25-25-16,0 0 31,-25 25-16,25-25 1,-25-25 62,25 0-78,-25 0 16,0-49-16,0 49 31,0-24-15,0 24-1,0 0 1,0 0 0,24 25 187,-24 25-172,25-25-31,-25 25 16,25-25-1,25 0 1,-50 25-1,24-25 1,1 0 15,-25 24 16,25-24 0,0 0-31,-25 25-1,25-25 1,-25 25 0,25-25 30,-1 0 17,-24 25-63,25-25 16,-25-50 171,0 1-171,0-26-1,-25 26-15,1-1 16,24 0 0,-25 26-1,0-1 1,25 0-1,0 0 17,0 0 46,0 1-16</inkml:trace>
   <inkml:trace contextRef="#ctx0" brushRef="#br0" timeOffset="399723.5281">16942 3349 0,'25'-25'235,"0"0"-235,-1-25 15,1 50 1,-25-24-16,50-26 15,-25 50 17,-25-25-17,0 0 17,0 1 14,0-1-46,0 0 32,0 0-17,0 0 48,-25 25-63,0 0 31,25-24 0,-25 24-15,0 0 0,1 0 77,-1 0-61,0 24-1,25 1-16,0 0 17,0 0-1,0 24 0,0-24-15,0 0-16,0 49 31,0-24-15,25-50-1,-25 25 1,0 0 0,25-1-1,-25 1 1,24-25-1,-24 25 1,25-25 15,-25 25-31,25-25 16,0 0 0,0 25-1,-1-25 1,26 0 15,-25 0-15,0 0-1,-1 0 1,1 0 0,0 0-1,-25-25 1</inkml:trace>
-  <inkml:trace contextRef="#ctx0" brushRef="#br0" timeOffset="402522.3827">14213 4192 0,'50'25'204,"0"-25"-204,-1 25 15,-24-25 1,49 24-1,-49-24 17,0 0-17,0 0 63,0 0-62,0 0 0,-1 0-1,1 0 1,-25 25 171,-25 25-155,1-1-17,-26 26-15,50-1 16,-50-24 0,25 74-1,-24-99 1,49-1-1,0 1 17</inkml:trace>
+  <inkml:trace contextRef="#ctx0" brushRef="#br0" timeOffset="402522.3826">14213 4192 0,'50'25'204,"0"-25"-204,-1 25 15,-24-25 1,49 24-1,-49-24 17,0 0-17,0 0 63,0 0-62,0 0 0,-1 0-1,1 0 1,-25 25 171,-25 25-155,1-1-17,-26 26-15,50-1 16,-50-24 0,25 74-1,-24-99 1,49-1-1,0 1 17</inkml:trace>
   <inkml:trace contextRef="#ctx0" brushRef="#br0" timeOffset="414957.4157">11882 12849 0,'-25'0'219,"0"0"-219,-24 0 15,-1 0-15,25 0 16,-49-25 0,24 25-1,25 0 1,1 0 31,-1 0 15,0 0-46,0 0 15,25 25-15,-25-25 15,25 25-15,-24-25-1,24 24 16,0 1 79,0 0-79,0 0 32,0 0-1,24-25-15,-24 24 0,25-24-16,0 0 16,0 0-31,0 0 15,24 0 0,-24 0 0,0 0-15,0 0 31,-1 0-32,-24 25-15,25-25 16,0 0 0,25 25 15,-1-25-15,-24 25-1,0-25 1,24 25-1,-24-25 1,-25 24 0,25-24 15,0 25 0,-25 0-15,0 0-1,0 0 1,0 0 0,0-1 15,0 1-15,0 0-1,0 0 1,0 0 15,0-1-15,0 1-1,0 0 17,-25-25 14,25 25-46,-25-25 32,0 0-32,1 0 15,-1 0 17,0 0-17,0 0 1,0 0-16,1 0 15,-1 0 1,0 0-16,0 0 16,0 0-1,1 0 1,-1 0 0,0-25-1,0 25 1,0 0-1,1 0 1,-1 0 15,25-25-15,-25 25 15,0 0 0,0 0-31,25-25 16,-24 25 0,-1 0 15,25-24-15,-25 24 15</inkml:trace>
   <inkml:trace contextRef="#ctx0" brushRef="#br0" timeOffset="417712.3645">12080 12378 0,'0'24'312,"0"51"-312,0-26 16,25 1 0,-25 0-16,0 24 15,0-49 1,25 49 0,-25-49-1,0 25-15,25-26 16,-25 1-16,0 0 15,0 0 1,0 0 0,0 24-1,0 1 17,0-25-17,0-1 1,0 1-1,0 0 17,0 0-1,0 25 0,0-26-15,0 1 15,0 0 0,0 0 1,0 0-1,0-1 31,0 1-15,0 0 31,0 0-15</inkml:trace>
-  <inkml:trace contextRef="#ctx0" brushRef="#br0" timeOffset="421621.1018">12552 12923 0,'-25'0'328,"0"0"-297,25 25-15,-50-25 0,25 25-1,1 0 1,-1-1-16,25 1 47,-25 0-16,25 0 0,0 0-31,-25-1 16,25 1-1,0 0 17,0 0 15,0 0-16,0 0 0,0-1 0,0 1-31,0 0 63,0 0-16,25-25-16,-25 25 0,25-25-15,-25 24-1,25-24 1,-1 0 15,1 0 47,0 0-31,0-24-15,0 24-1,-25-25-16,0 0 17,25 0-17,-25 0 1,0 1 0,24-1-1,-24 0 16,0 0-15,25 0 15,-25 0 1,25 1-1,-25-1-16,0 0 1,0 0 0,0 0 15,0 1-15,25-1 46,-25 0 1,0 50 343,0 49-406,0 25 15,25-24-15,-25 49 32,0-99-17,0 24 1,0-24 0,0 0 15,24-25 78,1 0-46,-25 25-48,25-25 1,0 0 15</inkml:trace>
+  <inkml:trace contextRef="#ctx0" brushRef="#br0" timeOffset="421621.1017">12552 12923 0,'-25'0'328,"0"0"-297,25 25-15,-50-25 0,25 25-1,1 0 1,-1-1-16,25 1 47,-25 0-16,25 0 0,0 0-31,-25-1 16,25 1-1,0 0 17,0 0 15,0 0-16,0 0 0,0-1 0,0 1-31,0 0 63,0 0-16,25-25-16,-25 25 0,25-25-15,-25 24-1,25-24 1,-1 0 15,1 0 47,0 0-31,0-24-15,0 24-1,-25-25-16,0 0 17,25 0-17,-25 0 1,0 1 0,24-1-1,-24 0 16,0 0-15,25 0 15,-25 0 1,25 1-1,-25-1-16,0 0 1,0 0 0,0 0 15,0 1-15,25-1 46,-25 0 1,0 50 343,0 49-406,0 25 15,25-24-15,-25 49 32,0-99-17,0 24 1,0-24 0,0 0 15,24-25 78,1 0-46,-25 25-48,25-25 1,0 0 15</inkml:trace>
   <inkml:trace contextRef="#ctx0" brushRef="#br0" timeOffset="424688.6285">12849 12973 0,'25'49'250,"0"-24"-218,0 0-32,-1 25 31,1-1-16,25 26 1,-50-50 0,49 49-1,-49-49 1,0 0-16,25-1 16,-25 1-1,0 0 1,25 25-1,-25-26 1,25 1 0,-25 0 15,0-50 250,0 0-265,0 1-1,0-1 17,0 0-17,0 0 1,0 0 15,25-24-15,-1 24-16,-24-25 15,50-24 17,-50 49-17,0 0 1,0 0 0,0 1-1,0-1 32,25 0-31,-25 0 46,25 25 1,-25-25-48,0 1 17,24 24-17,1 0 1,0 0 109,-25-25-31</inkml:trace>
   <inkml:trace contextRef="#ctx0" brushRef="#br0" timeOffset="427843.775">13494 13395 0,'25'0'250,"0"0"-219,0-25-15,-1 25 0,26-25-1,-25 25 1,0-25 15,-25 0 32,0 1-63,0-1 15,0 0 1,24 0 0,-24-25-16,0 26 15,0-1 16,0 0 1,0 0 15,0 0-16,0 1 31,0-1-30,-24 25 14,-1 0-14,0 0 15,0 0-16,0 0-16,1 0 32,24 25-47,-25-25 32,0 24 14,25 1-14,0 0-17,-25-25-15,25 25 16,0 0 0,0 24 15,0-24-16,0 0 1,0 0 0,0 0 15,0-1-15,0 26-1,0-25 1,0 0-1,0 24-15,0 1 32,0-25-17,0-1 1,0 1 15,0 0 0,25-25 1,0 25-17,0-25 32,-1 0-16,1 0 16,0 0-31,0 0 15,0 0 16,-1 0 0,1 0-31,0 0 30,0 0 1,-25-25-15</inkml:trace>
   <inkml:trace contextRef="#ctx0" brushRef="#br0" timeOffset="434649.6692">14908 12973 0,'0'25'250,"0"24"-250,0-24 15,0 25 1,0-1-16,0 1 16,0 0-1,0-26 16,0 1-15,0 0 15,0 0-15,0 0 0,0-1-1,0 26 1,0-25 31,0 0 140,0-1-187,0 1 31,0 0-15,0 0 15,0 0 1,0-1-32,0 1 46,0 0 1,0 0 0,-25-50 156,25 0-187,0 0 0,-25-24-16,25 24 15,-24 0 1,24-24-1,-25 24 1,25 0 15,-25 0-15,25-24 15,0 24-15,0 0-1,0 0 17,0 0-1,0 1 0,0-1-15,0 0-1,0 0-15,0-25 0,0-24 16,0 49 0,0-24 15,0 24 16,25 25-32,-25-25 17,25 25-17,-25-25 17,24 25-17,-24-25 1,25 25-1,-25-24 1,25 24 0,0-25 15,0 25-15,-1 0-1,1 0 1,-25-25-1,25 25 1,0 0 31,0 0-31,-1 0-1,1 0 1,0 0-1,0 0 32,0 0-15,-1 0 77,1 0 657,-25 25-704,25-25-31,-25 25-15,0-1 15,0 1 32,0 0-32,0 0-15,0 0 15,0-1-31,0 1 31,0 0 0,0 0 32,0 0-48,-50-25 1,26 24 0,-1-24-16,0 0 15,25 25 1,-25 0 15,0-25 0,1 25-15,-1-25 0,0 0-1,25 25 1,-25-25-16,0 0 16,1 25 15,-1-25 0,0 0 16,0 0-31,50-50 437,25 50-438,-50-25 1,0 0 31,24-24 0,1-1-47,-25 0 0,50 1 15,-25-1 1,-1 1-16,26 24 16,-50-25-16,50 50 15,-50-25 1,0 1 15,24 24 47,-24 24 235,0 1-220,0 0-14</inkml:trace>
@@ -247,12 +247,12 @@
   <inkml:trace contextRef="#ctx0" brushRef="#br0" timeOffset="545723.6326">3151 12353 0,'0'74'219,"0"25"-204,0 1-15,0-1 16,0-50 0,24 1-1,-24-25 32,0 24-16,0-24-31,0 0 16,0 0 0,0 0 15,0-1 0,25 1-15,-25 25-1,25 24 1,-25-49 0,0 0-1,0 0 32,0 0 16,25-25 62,24 0-63,-24 0-31,0 0 16</inkml:trace>
   <inkml:trace contextRef="#ctx0" brushRef="#br0" timeOffset="548098.9422">3002 12477 0,'25'0'234,"-1"0"-234,26 0 16,-25 0 0,0 0-1,-25 25 1,24-25 15,1 0-15,-25 24-1,25-24 1,25 0 0,-26 0-1,26 25 1,-25-25-1,0 0 17</inkml:trace>
   <inkml:trace contextRef="#ctx0" brushRef="#br0" timeOffset="551220.8541">3448 12973 0,'-49'-50'187,"24"25"-171,0 25 0,0 0-1,0 0 16,1 0 110,24 25-125,0 0-1,0 0 48,0 0-16,0-1-32,0 1 17,0 0-1,0 0-16,0 0 1,24-1 47,1-24-48,-25 25 16,25-25-15,0 0 15,0 25 32,-1-25-48,1 0 32,0 0-15,0-25 93,-25 0-110,0 1 32,0-1-16,0 0 47,0 0-46,0 0-17,0 1 17,25 24 202,-25 24-234,24 1 31,-24 0 16,25-25-16,-25 25-31,0 0 16,25-25 0,0 24-1,0-24 32,-25 25-31,24 0-1,-24 0 32,0 0-16</inkml:trace>
-  <inkml:trace contextRef="#ctx0" brushRef="#br0" timeOffset="557518.2992">2233 13940 0,'0'-74'203,"0"-75"-187,0-25-16,0 50 15,0 25 1,0 0-1,-25-50 1,25 99 0,0 26 93,0-26-109,0 0 16,0-24-1,0-25 1,0-25 0,-50 49-1,50 51 1,0-1-1,0 0 1,0-25 0,0-74-1,0 50 1,0 49 0,0-25-1,0 26 1,0-1 31,0 0 31,0 0-63,0 0 1,0-24 0,0 24-1,0 0 1,0 0 15,25 25 297,0 0-296,25 0-32,-26 0 15,1 0 1,25 0-1,-1 0 1,-24 0 0,74 0-1,-24 0 1,98-24 0,-24-1-1,-99 25 1,99-25 15,0 0-15,-75 25-1,50 0 1,-25 0 0,-74 0-1,25 0 1,24 0-1,-24 0 1,24 0 0,-49 0-1,0 0 1,24 0 0,-24 0-1,50 0 1,-26 0 15,1 0-15,24 0-1,25 0 1,-24 0 0,49 25-1,-75-25 1,1 0-16,0 0 15,-26 25-15,26-25 16,-25 0 0,0 25-1,24-25 1,1 0 0,-1 0-1,26 0 1,-50 0 15,49 0-15,-24 0-1,-1 0 1,-24 0 0,25 0-1,-25 0-15,-1 0 16,1 0-16,0 0 15,0 0 1,49 0 0,-24 0-1,-1 0 1,1 0 0,24 0-1,-24 0 1,24 0 15,-49 0-15,0 0-1,49 0 1,1 0 0,99 0-1,-50 0 1,-100 0-1,26 0 1,-25 0 0,0 0-1,-1 0 1,1 0 0,0 0 15,0 0-16,0 0 17</inkml:trace>
+  <inkml:trace contextRef="#ctx0" brushRef="#br0" timeOffset="557518.2991">2233 13940 0,'0'-74'203,"0"-75"-187,0-25-16,0 50 15,0 25 1,0 0-1,-25-50 1,25 99 0,0 26 93,0-26-109,0 0 16,0-24-1,0-25 1,0-25 0,-50 49-1,50 51 1,0-1-1,0 0 1,0-25 0,0-74-1,0 50 1,0 49 0,0-25-1,0 26 1,0-1 31,0 0 31,0 0-63,0 0 1,0-24 0,0 24-1,0 0 1,0 0 15,25 25 297,0 0-296,25 0-32,-26 0 15,1 0 1,25 0-1,-1 0 1,-24 0 0,74 0-1,-24 0 1,98-24 0,-24-1-1,-99 25 1,99-25 15,0 0-15,-75 25-1,50 0 1,-25 0 0,-74 0-1,25 0 1,24 0-1,-24 0 1,24 0 0,-49 0-1,0 0 1,24 0 0,-24 0-1,50 0 1,-26 0 15,1 0-15,24 0-1,25 0 1,-24 0 0,49 25-1,-75-25 1,1 0-16,0 0 15,-26 25-15,26-25 16,-25 0 0,0 25-1,24-25 1,1 0 0,-1 0-1,26 0 1,-50 0 15,49 0-15,-24 0-1,-1 0 1,-24 0 0,25 0-1,-25 0-15,-1 0 16,1 0-16,0 0 15,0 0 1,49 0 0,-24 0-1,-1 0 1,1 0 0,24 0-1,-24 0 1,24 0 15,-49 0-15,0 0-1,49 0 1,1 0 0,99 0-1,-50 0 1,-100 0-1,26 0 1,-25 0 0,0 0-1,-1 0 1,1 0 0,0 0 15,0 0-16,0 0 17</inkml:trace>
   <inkml:trace contextRef="#ctx0" brushRef="#br0" timeOffset="559487.155">6574 11857 0,'99'0'188,"0"0"-173,0 24-15,50-24 16,-25 25 0,-49-25-16,24 0 15,50 0 1,-25 0-1,-75 0 17,100 25-17,25 0 1,-75-25 0,50 0-1,-25 0 1,0 0-1,0 0 1,-75 0 0,26 0-1,49 0 1,-75 0 0,51 0-1,24 0 1,-75 0-1,26 0 17,-1 0-32,50 0 15,-74 0-15,-1 0 16,1 0 0,24 0-1,100 0 1,24 0-1,-123 0 1,123 0 0,150 25-1,-224-1 1,99-24 0,-25 0-1,-123 0 1,173 0-1,-25 0 17,-99 0-17,248 0 1,-198 0 0,24 0-1,-24 0 1,-125 0-1,125 0 1,-50 0 0,-50 0-1,-24 0 1,-25 0 0,0 0-1,-1 0 16,1 0-15</inkml:trace>
   <inkml:trace contextRef="#ctx0" brushRef="#br0" timeOffset="571092.885">13296 11981 0,'99'0'203,"50"24"-188,-50-24 1,50 0 0,74 0-1,-124 0 1,124 25 0,-24 25-1,-25-50 1,222 25-1,1-25 1,-223 0 0,74 0-1,-149 0 1,25 0 0,25 0-1,-75 0 16,50 0-15,-49 0 0,74 0-1,-75 0 1,50 0 0,-49-25-1,73 25 1,76-50-1,-150 25 1,75 1 0,-75 24-1,26-25 1,-1 0 0,-25 25-1,50-25 16,-25 25-15,-49 0 0,24 0-1,-24 0 1,0 0 0,49 0-1,0 0 1,-74 0-1,74 0 1,-49 0 0,24 0 15,25-25-15,-49 25-1,0-24 1,49 24-1,0 0 1,0 0 0,0 0-1,-49 0 1,24 0 0,26 0-1,-51 0-15,1 0 16,-1 0-1,-24 0 1,0 0 0,50 0-1,-26 0 1,1 0 0,-1 0-1,26 0 1,-50 0-1,-1 0 1,26 0 0,-25 0-1,0 0 1,-1 0 31</inkml:trace>
   <inkml:trace contextRef="#ctx0" brushRef="#br0" timeOffset="574662.8695">20315 11857 0,'25'0'204,"25"0"-204,-1 0 15,26 0 1,-1 0-16,-24 0 15,-25 0 17,-1 0-17,1 0 1,0 0 15,25 0-31,-26 0 16,76 0-1,-75 0 17,-1 0-17,1 0 48,0 0-63,0 0 15,0 0 1,-1 0 0,1 0-1,0 0 17,0 0-17,24 0 16,1 0-31,0 0 16,-1 0 0,1 0-1,24 0 17,-49 0-17,25 0-15,-26 0 16,1 24-16,25-24 15,-25 0 1,49 25 0,149-25-1,-123 0 1,24 25 0,-50-25-1,25 0 1,-24 0-1,-1 0 1,0 25 0,1 0-1,-26-25 17,26 0-17,-26 0 1,1 0-1,0 0 1,24 24 0,-49-24-1,49 0 1,-24 25 0,0-25-1,-1 0 1,-24 0-1,0 0 1,24 0 0,-24 25-1,0-25 32,0 0-31,-25 25-1,25-25 17,-25 25-17,24-25 17,-24 24-17,0 26 48,25-50-63,-25 25 15,0 0 1,0 0 0,0-1-1,25 51 1,-25 24-1,0-74 1,25 49 0,-25 1-1,0-26 1,0 125 0,0-100-1,0-24-15,0-1 16,0-24-16,0 25 15,25-1 1,-25 1 0,24 124-1,-24-100 17,0 1-17,0-26 1,0-24-1,0 49 1,0-49 0,0 25-1,0 24 1,0-49 0,0 0-1,0 49 1,0-49-1,0 25 1,0 49 0,0-74-1,0 49 17,0 0-17,0-49 1,0 0-1,0 0 110,0 0-93,0 0 30</inkml:trace>
   <inkml:trace contextRef="#ctx0" brushRef="#br0" timeOffset="577519.9348">23614 14412 0,'-49'0'219,"-26"0"-219,-24 0 16,-74 0-1,24 24-15,-25-24 32,-173 50-17,-25 24 1,148-74-1,-123 75 1,198-75 0,-223 49-1,0-24 1,199 0 0,-75 25-1,24-50 1,125 0-1,-50 0 1,25 0 0,75 0-1,-51 0 1,-48 0 15,-1 0-15,74 0-1,1 0 1,-50-25 0,0 25-1,49 0 1,-49-25 0,-24 0-1,73 25 1,1-25-1,-1 25 1,26-24 0,-75 24-1,25 0 1,-75 0 15,50 0-15,49-25-1,1 25 1,24 0 0,26 0-1,-26 0 1,-99 0 0,75 0-1,-75 0 1,0 0-1,75 0 1,24 0 0,25 0-1,1 0 1,-26 0 0,25 0-1,-25 0 1,1 0-1,24-25 1,-25 25 0,26 0 15,24-25-15,-25 25-1,0 0 1,0 0-1</inkml:trace>
-  <inkml:trace contextRef="#ctx0" brushRef="#br0" timeOffset="579768.2045">16396 14585 0,'-25'0'171,"1"0"-155,-51 0-16,1 0 16,-75-25-1,-149 1 1,174 24 0,-248-25-1,75 25 1,173 0-1,-100-25 1,-24 25 0,199 0-1,-150 0 1,125 0 15,-25 0-31,-1 0 16,26 0-16,-25-25 15,-25 25 1,-25 0 0,-25 0-1,75-25 1,-50 1 0,50 24-1,25-25 1,-50 25-1,99 0 1,-25-25-16,1 25 16,-26 0-1,1 0-15,-1 0 16,-24 0 15,-75 0-15,100 0-1,-224 0 1,26 0 0,172 0-1,-123 0 1,124 0 0,49 0-1,-49 0 1,25 0-1,49 0 1,0 0-16,-25 0 16,26 0 15,-26 0-15,25 0-1,-24 0 1,-100 25-1,124-25 1,-25 25 15,1-25-15,24 0 15,0 0 16</inkml:trace>
+  <inkml:trace contextRef="#ctx0" brushRef="#br0" timeOffset="579768.2044">16396 14585 0,'-25'0'171,"1"0"-155,-51 0-16,1 0 16,-75-25-1,-149 1 1,174 24 0,-248-25-1,75 25 1,173 0-1,-100-25 1,-24 25 0,199 0-1,-150 0 1,125 0 15,-25 0-31,-1 0 16,26 0-16,-25-25 15,-25 25 1,-25 0 0,-25 0-1,75-25 1,-50 1 0,50 24-1,25-25 1,-50 25-1,99 0 1,-25-25-16,1 25 16,-26 0-1,1 0-15,-1 0 16,-24 0 15,-75 0-15,100 0-1,-224 0 1,26 0 0,172 0-1,-123 0 1,124 0 0,49 0-1,-49 0 1,25 0-1,49 0 1,0 0-16,-25 0 16,26 0 15,-26 0-15,25 0-1,-24 0 1,-100 25-1,124-25 1,-25 25 15,1-25-15,24 0 15,0 0 16</inkml:trace>
   <inkml:trace contextRef="#ctx0" brushRef="#br0" timeOffset="582470.0889">10195 14412 0,'-74'0'203,"-1"0"-187,1 0-1,-50 0 1,25 0-1,-75 0-15,25 24 16,0-24-16,-24 0 16,24 0-1,-149 0 1,-24 50 0,148-50-1,-223 0 1,0 0-1,199 0 1,-174 0 0,99 0-1,174 0 1,-75-25 15,25 25-15,75 0-16,-25 0 15,-1-25-15,26 1 16,-25-1 0,-50 0-1,-99 0 1,124 0 0,-50 0-1,1 1 1,73 24-1,-48 0 1,24 0 0,74 0-1,-49 0 1,74 0 15,-49 0-31,-1 0 16,-24 0-16,24 0 15,26 0 1,-150 0 0,51 24-1,123-24 1,-50 0 0,51 0-1,-1 0 1,0 0 15,0 0-15,0 0-1,1 0-15,-1 25 16,-74 0 15,24 0-15,50-25-1,1 0 1,-1 0 0,0 0-1,0 0 17,0 0-17,-24 25 1,24-25-16,-50 0 15,51 0 1,-1 0 15,0 0 63,0 0-94,0 0 16,1 0-1,-1 0 32,0 0-31,0 0 31,25-25-32,-25 25-15,-24-25 47,49 0-16,-25 25-15,25-25 0,-25 25-1,25-24 1,-25-1 0,25 0-1,-24 25 1,-1-25-1,25 0 32,0 1-31,-25 24 0,25-25-1,0 0 32,0 0-16,-25 0-31,0 25 16,25-24 0,0-1-1,-24 25 32,24-25-47,0 0 16,-25 25 15,25-25-15,-25 25 30,25-24-46,-25 24 16,0 0 15,1-25 1,-1 25 14,0 0-14</inkml:trace>
   <inkml:trace contextRef="#ctx0" brushRef="#br0" timeOffset="585278.9548">4068 11757 0,'0'25'187,"0"74"-187,0-24 16,0-1-1,0 25-15,0-24 16,0-1 0,0 26-1,0-76 1,0 26 15,0 24-15,0 50-1,0-24 1,0-51 0,0 26-1,0 49 1,0-50 0,-24 149-1,24-123 1,-25-26-16,25 0 15,0-24-15,0 0 16,0 24 0,0 25 15,0-49-15,0-1-1,0-24 1,0 0-1,0 0 1,0 0 47,0-1-17,0 1 17,0 0-16,0 0-16,0 0-15,0-1 15,0 1-15,0 0 171,0 0-124</inkml:trace>
   <inkml:trace contextRef="#ctx0" brushRef="#br0" timeOffset="588122.1677">7094 11832 0,'0'49'187,"0"26"-187,0 24 16,0 25 0,0-49-16,0-1 15,0-24 1,0-26 15,0 1-15,0 0-1,0 49 1,0 50 0,0-49-1,0-1-15,25 25 16,0-49 0,-25 49-1,0 50 1,0-50-1,0 50 17,0-99-17,0 49 1,50 75 0,-25-125-1,-25 1 1,0-25-1,0-1 1,0 51 0,0-50 15,0-1-15,0 26-1,0-25 16,0 0-15,0-1 31,0 1-47,0 0 31,0 0-31,0 0 47,0-1 16,0 1-32,0 0 0,0 0 47,0 0 0</inkml:trace>
@@ -260,7 +260,7 @@
   <inkml:trace contextRef="#ctx0" brushRef="#br0" timeOffset="592653.393">9128 3994 0</inkml:trace>
   <inkml:trace contextRef="#ctx0" brushRef="#br0" timeOffset="593745.6322">9128 3994 0,'25'0'235,"0"0"-204,0 0-16,0 0 48,-1 0-47,26 0-1,-25-25 1,74 25-1,-49 0 1,-1 0 0,-24 0 15</inkml:trace>
   <inkml:trace contextRef="#ctx0" brushRef="#br0" timeOffset="596418.7406">9823 4018 0,'0'-24'204,"0"-1"-158,-25 0-30,25-25 0,-25 26-1,25-1 17,0 0 14,0 0-30,0 0 0,0 1-1,0-1 17,0 0 14,0 0-30,50 0 31,-50 0-47,0 1 16,25 24-1,0-25 16,-1 25 16,1 0 0,0 0-31,0 0 31,-25 25-32,25-25 1,-1 24 0,1 1 15,-25 0 0,25 0 0,-25 0-15,0 0 0,0-1-1,0 1 1,0 74-1,0-74 1,0 25 0,0-25-1,0-1 1,0 1 15,-25-25 32,25 25-32,-25-25-15,1 0-1,-1 0 32,0 0-16,0 0 16,0 0-31,1 0 31,24-25-16</inkml:trace>
-  <inkml:trace contextRef="#ctx0" brushRef="#br0" timeOffset="600102.1746">13048 4490 0,'0'-25'234,"0"0"-172,24 25-46,1-25 15,0 25-31,25-25 32,-26 25-17,1 0 1,0 0 46,0 0-46,0 0 31,-25 25-16,24-25-15,-24 25-1,25-25-15,-25 25 32,0 0-17,0-1 1,0 1-1,0 0 1,0 0 0,0 0 15,0-1-15,-49 1-16,49 0 15,-25 0 1,0-25 15,25 25-15,-25-1 15,0-24-15,1 0 62,-1 0-47,0 0 16,0 0-32,25-24 1,-25 24 15,25-25-31,0 0 32,0 0-1,0 0-31,0 1 47,0-1 15,0 0 1,0 0-32,0 0 110,0 1 77,0-1-171</inkml:trace>
+  <inkml:trace contextRef="#ctx0" brushRef="#br0" timeOffset="600102.1745">13048 4490 0,'0'-25'234,"0"0"-172,24 25-46,1-25 15,0 25-31,25-25 32,-26 25-17,1 0 1,0 0 46,0 0-46,0 0 31,-25 25-16,24-25-15,-24 25-1,25-25-15,-25 25 32,0 0-17,0-1 1,0 1-1,0 0 1,0 0 0,0 0 15,0-1-15,-49 1-16,49 0 15,-25 0 1,0-25 15,25 25-15,-25-1 15,0-24-15,1 0 62,-1 0-47,0 0 16,0 0-32,25-24 1,-25 24 15,25-25-31,0 0 32,0 0-1,0 0-31,0 1 47,0-1 15,0 0 1,0 0-32,0 0 110,0 1 77,0-1-171</inkml:trace>
   <inkml:trace contextRef="#ctx0" brushRef="#br0" timeOffset="604059.0607">19447 11385 0,'0'25'250,"0"25"-234,0-25 15,0-1 16,0 1-32,0 0-15,0 0 32,0 0 30,0-1-31,0 1-15,0 0 0,0 0 15</inkml:trace>
   <inkml:trace contextRef="#ctx0" brushRef="#br0" timeOffset="606219.1679">19695 11981 0,'25'-75'219,"0"-74"-219,49 75 15,-74 24-15,0 1 16,25 24 15,-25 0-15,0 0-1,0 1 1,50-1 0,-25-25-1,-25 25 1,24-24-1,-24 24 1,0 0 0,25-24-1,50-1 1,-75 0 0,24 25 15,-24 1 109,0-1-140,25 25 16,0-25 0,-25 0-16,25 25 15,-25-25 1</inkml:trace>
   <inkml:trace contextRef="#ctx0" brushRef="#br0" timeOffset="615835.281">19943 10914 0,'25'0'172,"74"0"-172,1 0 16,-26 0-1,0 0-15,-24 0 16,0 0-1,-50 25 32,24-25-15,1 0 46,-25 25 109,-25-1-171,1 51-1,-51-1-15,26-24 16,49 24 0,-50-49-1,50 0 1,0 0 0</inkml:trace>
@@ -427,7 +427,7 @@
             <a:fld id="{1D8BD707-D9CF-40AE-B4C6-C98DA3205C09}" type="datetimeFigureOut">
               <a:rPr lang="en-US" smtClean="0"/>
               <a:pPr/>
-              <a:t>21-Oct-20</a:t>
+              <a:t>13-Jan-21</a:t>
             </a:fld>
             <a:endParaRPr lang="en-US"/>
           </a:p>
@@ -655,7 +655,7 @@
             <a:fld id="{1D8BD707-D9CF-40AE-B4C6-C98DA3205C09}" type="datetimeFigureOut">
               <a:rPr lang="en-US" smtClean="0"/>
               <a:pPr/>
-              <a:t>21-Oct-20</a:t>
+              <a:t>13-Jan-21</a:t>
             </a:fld>
             <a:endParaRPr lang="en-US"/>
           </a:p>
@@ -832,7 +832,7 @@
             <a:fld id="{1D8BD707-D9CF-40AE-B4C6-C98DA3205C09}" type="datetimeFigureOut">
               <a:rPr lang="en-US" smtClean="0"/>
               <a:pPr/>
-              <a:t>21-Oct-20</a:t>
+              <a:t>13-Jan-21</a:t>
             </a:fld>
             <a:endParaRPr lang="en-US"/>
           </a:p>
@@ -999,7 +999,7 @@
             <a:fld id="{1D8BD707-D9CF-40AE-B4C6-C98DA3205C09}" type="datetimeFigureOut">
               <a:rPr lang="en-US" smtClean="0"/>
               <a:pPr/>
-              <a:t>21-Oct-20</a:t>
+              <a:t>13-Jan-21</a:t>
             </a:fld>
             <a:endParaRPr lang="en-US"/>
           </a:p>
@@ -1245,7 +1245,7 @@
             <a:fld id="{1D8BD707-D9CF-40AE-B4C6-C98DA3205C09}" type="datetimeFigureOut">
               <a:rPr lang="en-US" smtClean="0"/>
               <a:pPr/>
-              <a:t>21-Oct-20</a:t>
+              <a:t>13-Jan-21</a:t>
             </a:fld>
             <a:endParaRPr lang="en-US"/>
           </a:p>
@@ -1511,7 +1511,7 @@
             <a:fld id="{1D8BD707-D9CF-40AE-B4C6-C98DA3205C09}" type="datetimeFigureOut">
               <a:rPr lang="en-US" smtClean="0"/>
               <a:pPr/>
-              <a:t>21-Oct-20</a:t>
+              <a:t>13-Jan-21</a:t>
             </a:fld>
             <a:endParaRPr lang="en-US"/>
           </a:p>
@@ -1887,7 +1887,7 @@
             <a:fld id="{1D8BD707-D9CF-40AE-B4C6-C98DA3205C09}" type="datetimeFigureOut">
               <a:rPr lang="en-US" smtClean="0"/>
               <a:pPr/>
-              <a:t>21-Oct-20</a:t>
+              <a:t>13-Jan-21</a:t>
             </a:fld>
             <a:endParaRPr lang="en-US"/>
           </a:p>
@@ -2002,7 +2002,7 @@
             <a:fld id="{1D8BD707-D9CF-40AE-B4C6-C98DA3205C09}" type="datetimeFigureOut">
               <a:rPr lang="en-US" smtClean="0"/>
               <a:pPr/>
-              <a:t>21-Oct-20</a:t>
+              <a:t>13-Jan-21</a:t>
             </a:fld>
             <a:endParaRPr lang="en-US"/>
           </a:p>
@@ -2094,7 +2094,7 @@
             <a:fld id="{1D8BD707-D9CF-40AE-B4C6-C98DA3205C09}" type="datetimeFigureOut">
               <a:rPr lang="en-US" smtClean="0"/>
               <a:pPr/>
-              <a:t>21-Oct-20</a:t>
+              <a:t>13-Jan-21</a:t>
             </a:fld>
             <a:endParaRPr lang="en-US"/>
           </a:p>
@@ -2354,7 +2354,7 @@
             <a:fld id="{1D8BD707-D9CF-40AE-B4C6-C98DA3205C09}" type="datetimeFigureOut">
               <a:rPr lang="en-US" smtClean="0"/>
               <a:pPr/>
-              <a:t>21-Oct-20</a:t>
+              <a:t>13-Jan-21</a:t>
             </a:fld>
             <a:endParaRPr lang="en-US"/>
           </a:p>
@@ -2620,7 +2620,7 @@
             <a:fld id="{1D8BD707-D9CF-40AE-B4C6-C98DA3205C09}" type="datetimeFigureOut">
               <a:rPr lang="en-US" smtClean="0"/>
               <a:pPr/>
-              <a:t>21-Oct-20</a:t>
+              <a:t>13-Jan-21</a:t>
             </a:fld>
             <a:endParaRPr lang="en-US"/>
           </a:p>
@@ -2839,7 +2839,7 @@
             <a:fld id="{1D8BD707-D9CF-40AE-B4C6-C98DA3205C09}" type="datetimeFigureOut">
               <a:rPr lang="en-US" smtClean="0"/>
               <a:pPr/>
-              <a:t>21-Oct-20</a:t>
+              <a:t>13-Jan-21</a:t>
             </a:fld>
             <a:endParaRPr lang="en-US"/>
           </a:p>
@@ -4703,11 +4703,7 @@
           <a:p>
             <a:r>
               <a:rPr lang="en-US" dirty="0" smtClean="0"/>
-              <a:t>I2c (</a:t>
-            </a:r>
-            <a:r>
-              <a:rPr lang="en-US" dirty="0" smtClean="0"/>
-              <a:t>inter integrate circuit)</a:t>
+              <a:t>I2c (inter integrate circuit)</a:t>
             </a:r>
             <a:endParaRPr lang="en-US" dirty="0"/>
           </a:p>
@@ -4732,15 +4728,7 @@
           <a:p>
             <a:r>
               <a:rPr lang="en-US" dirty="0" smtClean="0"/>
-              <a:t>2 </a:t>
-            </a:r>
-            <a:r>
-              <a:rPr lang="en-US" dirty="0" smtClean="0"/>
-              <a:t>wire serial synchronous protocol(SDA,SCL</a:t>
-            </a:r>
-            <a:r>
-              <a:rPr lang="en-US" dirty="0" smtClean="0"/>
-              <a:t>)</a:t>
+              <a:t>2 wire serial synchronous protocol(SDA,SCL)</a:t>
             </a:r>
           </a:p>
           <a:p>
@@ -4752,13 +4740,21 @@
               <a:rPr lang="en-US" dirty="0" smtClean="0"/>
               <a:t>connection</a:t>
             </a:r>
+          </a:p>
+          <a:p>
+            <a:r>
+              <a:rPr lang="en-US" dirty="0" smtClean="0"/>
+              <a:t>Max </a:t>
+            </a:r>
+            <a:r>
+              <a:rPr lang="en-US" smtClean="0"/>
+              <a:t>distance </a:t>
+            </a:r>
+            <a:r>
+              <a:rPr lang="en-US" smtClean="0"/>
+              <a:t>15cm</a:t>
+            </a:r>
             <a:endParaRPr lang="en-US" dirty="0" smtClean="0"/>
-          </a:p>
-          <a:p>
-            <a:r>
-              <a:rPr lang="en-US" dirty="0" smtClean="0"/>
-              <a:t>Max distance 10cm</a:t>
-            </a:r>
           </a:p>
           <a:p>
             <a:r>
@@ -4789,11 +4785,7 @@
           <a:p>
             <a:r>
               <a:rPr lang="en-US" dirty="0" smtClean="0"/>
-              <a:t>Half </a:t>
-            </a:r>
-            <a:r>
-              <a:rPr lang="en-US" dirty="0" smtClean="0"/>
-              <a:t>duplex data transmission only</a:t>
+              <a:t>Half duplex data transmission only</a:t>
             </a:r>
           </a:p>
           <a:p>
